--- a/documents/업무설계서_예시(업무일일점검_출입관리 점검봇).pptx
+++ b/documents/업무설계서_예시(업무일일점검_출입관리 점검봇).pptx
@@ -136,7 +136,7 @@
       </p14:sectionLst>
     </p:ext>
     <p:ext uri="{EFAFB233-063F-42B5-8137-9DF3F51BA10A}">
-      <p15:sldGuideLst xmlns="" xmlns:p15="http://schemas.microsoft.com/office/powerpoint/2012/main">
+      <p15:sldGuideLst xmlns:p15="http://schemas.microsoft.com/office/powerpoint/2012/main">
         <p15:guide id="1" orient="horz" pos="550" userDrawn="1">
           <p15:clr>
             <a:srgbClr val="A4A3A4"/>
@@ -806,35 +806,35 @@
                 <a:gridCol w="1080631">
                   <a:extLst>
                     <a:ext uri="{9D8B030D-6E8A-4147-A177-3AD203B41FA5}">
-                      <a16:colId xmlns="" xmlns:a16="http://schemas.microsoft.com/office/drawing/2014/main" val="20000"/>
+                      <a16:colId xmlns:a16="http://schemas.microsoft.com/office/drawing/2014/main" val="20000"/>
                     </a:ext>
                   </a:extLst>
                 </a:gridCol>
                 <a:gridCol w="3053025">
                   <a:extLst>
                     <a:ext uri="{9D8B030D-6E8A-4147-A177-3AD203B41FA5}">
-                      <a16:colId xmlns="" xmlns:a16="http://schemas.microsoft.com/office/drawing/2014/main" val="20001"/>
+                      <a16:colId xmlns:a16="http://schemas.microsoft.com/office/drawing/2014/main" val="20001"/>
                     </a:ext>
                   </a:extLst>
                 </a:gridCol>
                 <a:gridCol w="917076">
                   <a:extLst>
                     <a:ext uri="{9D8B030D-6E8A-4147-A177-3AD203B41FA5}">
-                      <a16:colId xmlns="" xmlns:a16="http://schemas.microsoft.com/office/drawing/2014/main" val="20002"/>
+                      <a16:colId xmlns:a16="http://schemas.microsoft.com/office/drawing/2014/main" val="20002"/>
                     </a:ext>
                   </a:extLst>
                 </a:gridCol>
                 <a:gridCol w="4569802">
                   <a:extLst>
                     <a:ext uri="{9D8B030D-6E8A-4147-A177-3AD203B41FA5}">
-                      <a16:colId xmlns="" xmlns:a16="http://schemas.microsoft.com/office/drawing/2014/main" val="20003"/>
+                      <a16:colId xmlns:a16="http://schemas.microsoft.com/office/drawing/2014/main" val="20003"/>
                     </a:ext>
                   </a:extLst>
                 </a:gridCol>
                 <a:gridCol w="2312509">
                   <a:extLst>
                     <a:ext uri="{9D8B030D-6E8A-4147-A177-3AD203B41FA5}">
-                      <a16:colId xmlns="" xmlns:a16="http://schemas.microsoft.com/office/drawing/2014/main" val="20004"/>
+                      <a16:colId xmlns:a16="http://schemas.microsoft.com/office/drawing/2014/main" val="20004"/>
                     </a:ext>
                   </a:extLst>
                 </a:gridCol>
@@ -1305,7 +1305,7 @@
                 </a:tc>
                 <a:extLst>
                   <a:ext uri="{0D108BD9-81ED-4DB2-BD59-A6C34878D82A}">
-                    <a16:rowId xmlns="" xmlns:a16="http://schemas.microsoft.com/office/drawing/2014/main" val="10000"/>
+                    <a16:rowId xmlns:a16="http://schemas.microsoft.com/office/drawing/2014/main" val="10000"/>
                   </a:ext>
                 </a:extLst>
               </a:tr>
@@ -1587,7 +1587,7 @@
                 </a:tc>
                 <a:extLst>
                   <a:ext uri="{0D108BD9-81ED-4DB2-BD59-A6C34878D82A}">
-                    <a16:rowId xmlns="" xmlns:a16="http://schemas.microsoft.com/office/drawing/2014/main" val="10001"/>
+                    <a16:rowId xmlns:a16="http://schemas.microsoft.com/office/drawing/2014/main" val="10001"/>
                   </a:ext>
                 </a:extLst>
               </a:tr>
@@ -1795,7 +1795,7 @@
                 </a:tc>
                 <a:extLst>
                   <a:ext uri="{0D108BD9-81ED-4DB2-BD59-A6C34878D82A}">
-                    <a16:rowId xmlns="" xmlns:a16="http://schemas.microsoft.com/office/drawing/2014/main" val="10002"/>
+                    <a16:rowId xmlns:a16="http://schemas.microsoft.com/office/drawing/2014/main" val="10002"/>
                   </a:ext>
                 </a:extLst>
               </a:tr>
@@ -2747,7 +2747,7 @@
           <p:cNvPr id="2" name="TextBox 1">
             <a:extLst>
               <a:ext uri="{FF2B5EF4-FFF2-40B4-BE49-F238E27FC236}">
-                <a16:creationId xmlns="" xmlns:a16="http://schemas.microsoft.com/office/drawing/2014/main" id="{11EB93A9-0EE2-46ED-83C5-E23D5D7DA81B}"/>
+                <a16:creationId xmlns:a16="http://schemas.microsoft.com/office/drawing/2014/main" id="{11EB93A9-0EE2-46ED-83C5-E23D5D7DA81B}"/>
               </a:ext>
             </a:extLst>
           </p:cNvPr>
@@ -2787,7 +2787,7 @@
           <p:cNvPr id="5" name="Group 6">
             <a:extLst>
               <a:ext uri="{FF2B5EF4-FFF2-40B4-BE49-F238E27FC236}">
-                <a16:creationId xmlns:a16="http://schemas.microsoft.com/office/drawing/2014/main" xmlns="" id="{1A50EF16-E701-4296-8064-CB39559364AA}"/>
+                <a16:creationId xmlns:a16="http://schemas.microsoft.com/office/drawing/2014/main" id="{1A50EF16-E701-4296-8064-CB39559364AA}"/>
               </a:ext>
             </a:extLst>
           </p:cNvPr>
@@ -2814,14 +2814,14 @@
                 <a:gridCol w="329695">
                   <a:extLst>
                     <a:ext uri="{9D8B030D-6E8A-4147-A177-3AD203B41FA5}">
-                      <a16:colId xmlns:a16="http://schemas.microsoft.com/office/drawing/2014/main" xmlns="" val="20000"/>
+                      <a16:colId xmlns:a16="http://schemas.microsoft.com/office/drawing/2014/main" val="20000"/>
                     </a:ext>
                   </a:extLst>
                 </a:gridCol>
                 <a:gridCol w="1976228">
                   <a:extLst>
                     <a:ext uri="{9D8B030D-6E8A-4147-A177-3AD203B41FA5}">
-                      <a16:colId xmlns:a16="http://schemas.microsoft.com/office/drawing/2014/main" xmlns="" val="20001"/>
+                      <a16:colId xmlns:a16="http://schemas.microsoft.com/office/drawing/2014/main" val="20001"/>
                     </a:ext>
                   </a:extLst>
                 </a:gridCol>
@@ -3090,7 +3090,7 @@
                 </a:tc>
                 <a:extLst>
                   <a:ext uri="{0D108BD9-81ED-4DB2-BD59-A6C34878D82A}">
-                    <a16:rowId xmlns:a16="http://schemas.microsoft.com/office/drawing/2014/main" xmlns="" val="10000"/>
+                    <a16:rowId xmlns:a16="http://schemas.microsoft.com/office/drawing/2014/main" val="10000"/>
                   </a:ext>
                 </a:extLst>
               </a:tr>
@@ -3308,7 +3308,7 @@
                 </a:tc>
                 <a:extLst>
                   <a:ext uri="{0D108BD9-81ED-4DB2-BD59-A6C34878D82A}">
-                    <a16:rowId xmlns:a16="http://schemas.microsoft.com/office/drawing/2014/main" xmlns="" val="10001"/>
+                    <a16:rowId xmlns:a16="http://schemas.microsoft.com/office/drawing/2014/main" val="10001"/>
                   </a:ext>
                 </a:extLst>
               </a:tr>
@@ -3474,7 +3474,7 @@
                 </a:tc>
                 <a:extLst>
                   <a:ext uri="{0D108BD9-81ED-4DB2-BD59-A6C34878D82A}">
-                    <a16:rowId xmlns:a16="http://schemas.microsoft.com/office/drawing/2014/main" xmlns="" val="4155826467"/>
+                    <a16:rowId xmlns:a16="http://schemas.microsoft.com/office/drawing/2014/main" val="4155826467"/>
                   </a:ext>
                 </a:extLst>
               </a:tr>
@@ -3915,7 +3915,7 @@
                 </a:tc>
                 <a:extLst>
                   <a:ext uri="{0D108BD9-81ED-4DB2-BD59-A6C34878D82A}">
-                    <a16:rowId xmlns:a16="http://schemas.microsoft.com/office/drawing/2014/main" xmlns="" val="10002"/>
+                    <a16:rowId xmlns:a16="http://schemas.microsoft.com/office/drawing/2014/main" val="10002"/>
                   </a:ext>
                 </a:extLst>
               </a:tr>
@@ -4213,7 +4213,7 @@
                 </a:tc>
                 <a:extLst>
                   <a:ext uri="{0D108BD9-81ED-4DB2-BD59-A6C34878D82A}">
-                    <a16:rowId xmlns:a16="http://schemas.microsoft.com/office/drawing/2014/main" xmlns="" val="10003"/>
+                    <a16:rowId xmlns:a16="http://schemas.microsoft.com/office/drawing/2014/main" val="10003"/>
                   </a:ext>
                 </a:extLst>
               </a:tr>
@@ -4441,7 +4441,7 @@
                 </a:tc>
                 <a:extLst>
                   <a:ext uri="{0D108BD9-81ED-4DB2-BD59-A6C34878D82A}">
-                    <a16:rowId xmlns:a16="http://schemas.microsoft.com/office/drawing/2014/main" xmlns="" val="10004"/>
+                    <a16:rowId xmlns:a16="http://schemas.microsoft.com/office/drawing/2014/main" val="10004"/>
                   </a:ext>
                 </a:extLst>
               </a:tr>
@@ -4669,7 +4669,7 @@
                 </a:tc>
                 <a:extLst>
                   <a:ext uri="{0D108BD9-81ED-4DB2-BD59-A6C34878D82A}">
-                    <a16:rowId xmlns:a16="http://schemas.microsoft.com/office/drawing/2014/main" xmlns="" val="10005"/>
+                    <a16:rowId xmlns:a16="http://schemas.microsoft.com/office/drawing/2014/main" val="10005"/>
                   </a:ext>
                 </a:extLst>
               </a:tr>
@@ -4848,7 +4848,7 @@
                 </a:tc>
                 <a:extLst>
                   <a:ext uri="{0D108BD9-81ED-4DB2-BD59-A6C34878D82A}">
-                    <a16:rowId xmlns:a16="http://schemas.microsoft.com/office/drawing/2014/main" xmlns="" val="10006"/>
+                    <a16:rowId xmlns:a16="http://schemas.microsoft.com/office/drawing/2014/main" val="10006"/>
                   </a:ext>
                 </a:extLst>
               </a:tr>
@@ -4998,7 +4998,7 @@
                 </a:tc>
                 <a:extLst>
                   <a:ext uri="{0D108BD9-81ED-4DB2-BD59-A6C34878D82A}">
-                    <a16:rowId xmlns:a16="http://schemas.microsoft.com/office/drawing/2014/main" xmlns="" val="10007"/>
+                    <a16:rowId xmlns:a16="http://schemas.microsoft.com/office/drawing/2014/main" val="10007"/>
                   </a:ext>
                 </a:extLst>
               </a:tr>
@@ -5148,7 +5148,7 @@
                 </a:tc>
                 <a:extLst>
                   <a:ext uri="{0D108BD9-81ED-4DB2-BD59-A6C34878D82A}">
-                    <a16:rowId xmlns:a16="http://schemas.microsoft.com/office/drawing/2014/main" xmlns="" val="10008"/>
+                    <a16:rowId xmlns:a16="http://schemas.microsoft.com/office/drawing/2014/main" val="10008"/>
                   </a:ext>
                 </a:extLst>
               </a:tr>
@@ -5298,7 +5298,7 @@
                 </a:tc>
                 <a:extLst>
                   <a:ext uri="{0D108BD9-81ED-4DB2-BD59-A6C34878D82A}">
-                    <a16:rowId xmlns:a16="http://schemas.microsoft.com/office/drawing/2014/main" xmlns="" val="10009"/>
+                    <a16:rowId xmlns:a16="http://schemas.microsoft.com/office/drawing/2014/main" val="10009"/>
                   </a:ext>
                 </a:extLst>
               </a:tr>
@@ -5448,7 +5448,7 @@
                 </a:tc>
                 <a:extLst>
                   <a:ext uri="{0D108BD9-81ED-4DB2-BD59-A6C34878D82A}">
-                    <a16:rowId xmlns:a16="http://schemas.microsoft.com/office/drawing/2014/main" xmlns="" val="10010"/>
+                    <a16:rowId xmlns:a16="http://schemas.microsoft.com/office/drawing/2014/main" val="10010"/>
                   </a:ext>
                 </a:extLst>
               </a:tr>
@@ -5598,7 +5598,7 @@
                 </a:tc>
                 <a:extLst>
                   <a:ext uri="{0D108BD9-81ED-4DB2-BD59-A6C34878D82A}">
-                    <a16:rowId xmlns:a16="http://schemas.microsoft.com/office/drawing/2014/main" xmlns="" val="10011"/>
+                    <a16:rowId xmlns:a16="http://schemas.microsoft.com/office/drawing/2014/main" val="10011"/>
                   </a:ext>
                 </a:extLst>
               </a:tr>
@@ -5850,28 +5850,28 @@
                 <a:gridCol w="1288199">
                   <a:extLst>
                     <a:ext uri="{9D8B030D-6E8A-4147-A177-3AD203B41FA5}">
-                      <a16:colId xmlns="" xmlns:a16="http://schemas.microsoft.com/office/drawing/2014/main" val="20000"/>
+                      <a16:colId xmlns:a16="http://schemas.microsoft.com/office/drawing/2014/main" val="20000"/>
                     </a:ext>
                   </a:extLst>
                 </a:gridCol>
                 <a:gridCol w="1872494">
                   <a:extLst>
                     <a:ext uri="{9D8B030D-6E8A-4147-A177-3AD203B41FA5}">
-                      <a16:colId xmlns="" xmlns:a16="http://schemas.microsoft.com/office/drawing/2014/main" val="20001"/>
+                      <a16:colId xmlns:a16="http://schemas.microsoft.com/office/drawing/2014/main" val="20001"/>
                     </a:ext>
                   </a:extLst>
                 </a:gridCol>
                 <a:gridCol w="6164527">
                   <a:extLst>
                     <a:ext uri="{9D8B030D-6E8A-4147-A177-3AD203B41FA5}">
-                      <a16:colId xmlns="" xmlns:a16="http://schemas.microsoft.com/office/drawing/2014/main" val="20002"/>
+                      <a16:colId xmlns:a16="http://schemas.microsoft.com/office/drawing/2014/main" val="20002"/>
                     </a:ext>
                   </a:extLst>
                 </a:gridCol>
                 <a:gridCol w="2029352">
                   <a:extLst>
                     <a:ext uri="{9D8B030D-6E8A-4147-A177-3AD203B41FA5}">
-                      <a16:colId xmlns="" xmlns:a16="http://schemas.microsoft.com/office/drawing/2014/main" val="20003"/>
+                      <a16:colId xmlns:a16="http://schemas.microsoft.com/office/drawing/2014/main" val="20003"/>
                     </a:ext>
                   </a:extLst>
                 </a:gridCol>
@@ -6027,7 +6027,7 @@
                 </a:tc>
                 <a:extLst>
                   <a:ext uri="{0D108BD9-81ED-4DB2-BD59-A6C34878D82A}">
-                    <a16:rowId xmlns="" xmlns:a16="http://schemas.microsoft.com/office/drawing/2014/main" val="10000"/>
+                    <a16:rowId xmlns:a16="http://schemas.microsoft.com/office/drawing/2014/main" val="10000"/>
                   </a:ext>
                 </a:extLst>
               </a:tr>
@@ -6297,7 +6297,7 @@
                 </a:tc>
                 <a:extLst>
                   <a:ext uri="{0D108BD9-81ED-4DB2-BD59-A6C34878D82A}">
-                    <a16:rowId xmlns="" xmlns:a16="http://schemas.microsoft.com/office/drawing/2014/main" val="10001"/>
+                    <a16:rowId xmlns:a16="http://schemas.microsoft.com/office/drawing/2014/main" val="10001"/>
                   </a:ext>
                 </a:extLst>
               </a:tr>
@@ -6676,7 +6676,7 @@
                 </a:tc>
                 <a:extLst>
                   <a:ext uri="{0D108BD9-81ED-4DB2-BD59-A6C34878D82A}">
-                    <a16:rowId xmlns="" xmlns:a16="http://schemas.microsoft.com/office/drawing/2014/main" val="10002"/>
+                    <a16:rowId xmlns:a16="http://schemas.microsoft.com/office/drawing/2014/main" val="10002"/>
                   </a:ext>
                 </a:extLst>
               </a:tr>
@@ -7090,7 +7090,7 @@
                 </a:tc>
                 <a:extLst>
                   <a:ext uri="{0D108BD9-81ED-4DB2-BD59-A6C34878D82A}">
-                    <a16:rowId xmlns="" xmlns:a16="http://schemas.microsoft.com/office/drawing/2014/main" val="10003"/>
+                    <a16:rowId xmlns:a16="http://schemas.microsoft.com/office/drawing/2014/main" val="10003"/>
                   </a:ext>
                 </a:extLst>
               </a:tr>
@@ -7448,7 +7448,7 @@
                 </a:tc>
                 <a:extLst>
                   <a:ext uri="{0D108BD9-81ED-4DB2-BD59-A6C34878D82A}">
-                    <a16:rowId xmlns="" xmlns:a16="http://schemas.microsoft.com/office/drawing/2014/main" val="10013"/>
+                    <a16:rowId xmlns:a16="http://schemas.microsoft.com/office/drawing/2014/main" val="10013"/>
                   </a:ext>
                 </a:extLst>
               </a:tr>
@@ -7805,7 +7805,7 @@
                 </a:tc>
                 <a:extLst>
                   <a:ext uri="{0D108BD9-81ED-4DB2-BD59-A6C34878D82A}">
-                    <a16:rowId xmlns="" xmlns:a16="http://schemas.microsoft.com/office/drawing/2014/main" val="10015"/>
+                    <a16:rowId xmlns:a16="http://schemas.microsoft.com/office/drawing/2014/main" val="10015"/>
                   </a:ext>
                 </a:extLst>
               </a:tr>
@@ -8162,7 +8162,7 @@
                 </a:tc>
                 <a:extLst>
                   <a:ext uri="{0D108BD9-81ED-4DB2-BD59-A6C34878D82A}">
-                    <a16:rowId xmlns="" xmlns:a16="http://schemas.microsoft.com/office/drawing/2014/main" val="10016"/>
+                    <a16:rowId xmlns:a16="http://schemas.microsoft.com/office/drawing/2014/main" val="10016"/>
                   </a:ext>
                 </a:extLst>
               </a:tr>
@@ -8519,7 +8519,7 @@
                 </a:tc>
                 <a:extLst>
                   <a:ext uri="{0D108BD9-81ED-4DB2-BD59-A6C34878D82A}">
-                    <a16:rowId xmlns="" xmlns:a16="http://schemas.microsoft.com/office/drawing/2014/main" val="3089709313"/>
+                    <a16:rowId xmlns:a16="http://schemas.microsoft.com/office/drawing/2014/main" val="3089709313"/>
                   </a:ext>
                 </a:extLst>
               </a:tr>
@@ -8874,7 +8874,7 @@
                 </a:tc>
                 <a:extLst>
                   <a:ext uri="{0D108BD9-81ED-4DB2-BD59-A6C34878D82A}">
-                    <a16:rowId xmlns="" xmlns:a16="http://schemas.microsoft.com/office/drawing/2014/main" val="3049364877"/>
+                    <a16:rowId xmlns:a16="http://schemas.microsoft.com/office/drawing/2014/main" val="3049364877"/>
                   </a:ext>
                 </a:extLst>
               </a:tr>
@@ -9229,7 +9229,7 @@
                 </a:tc>
                 <a:extLst>
                   <a:ext uri="{0D108BD9-81ED-4DB2-BD59-A6C34878D82A}">
-                    <a16:rowId xmlns="" xmlns:a16="http://schemas.microsoft.com/office/drawing/2014/main" val="3665971012"/>
+                    <a16:rowId xmlns:a16="http://schemas.microsoft.com/office/drawing/2014/main" val="3665971012"/>
                   </a:ext>
                 </a:extLst>
               </a:tr>
@@ -9584,7 +9584,7 @@
                 </a:tc>
                 <a:extLst>
                   <a:ext uri="{0D108BD9-81ED-4DB2-BD59-A6C34878D82A}">
-                    <a16:rowId xmlns="" xmlns:a16="http://schemas.microsoft.com/office/drawing/2014/main" val="837652683"/>
+                    <a16:rowId xmlns:a16="http://schemas.microsoft.com/office/drawing/2014/main" val="837652683"/>
                   </a:ext>
                 </a:extLst>
               </a:tr>
@@ -9939,7 +9939,7 @@
                 </a:tc>
                 <a:extLst>
                   <a:ext uri="{0D108BD9-81ED-4DB2-BD59-A6C34878D82A}">
-                    <a16:rowId xmlns="" xmlns:a16="http://schemas.microsoft.com/office/drawing/2014/main" val="3518759148"/>
+                    <a16:rowId xmlns:a16="http://schemas.microsoft.com/office/drawing/2014/main" val="3518759148"/>
                   </a:ext>
                 </a:extLst>
               </a:tr>
@@ -10294,7 +10294,7 @@
                 </a:tc>
                 <a:extLst>
                   <a:ext uri="{0D108BD9-81ED-4DB2-BD59-A6C34878D82A}">
-                    <a16:rowId xmlns="" xmlns:a16="http://schemas.microsoft.com/office/drawing/2014/main" val="3440292550"/>
+                    <a16:rowId xmlns:a16="http://schemas.microsoft.com/office/drawing/2014/main" val="3440292550"/>
                   </a:ext>
                 </a:extLst>
               </a:tr>
@@ -10649,7 +10649,7 @@
                 </a:tc>
                 <a:extLst>
                   <a:ext uri="{0D108BD9-81ED-4DB2-BD59-A6C34878D82A}">
-                    <a16:rowId xmlns="" xmlns:a16="http://schemas.microsoft.com/office/drawing/2014/main" val="1544269365"/>
+                    <a16:rowId xmlns:a16="http://schemas.microsoft.com/office/drawing/2014/main" val="1544269365"/>
                   </a:ext>
                 </a:extLst>
               </a:tr>
@@ -11004,7 +11004,7 @@
                 </a:tc>
                 <a:extLst>
                   <a:ext uri="{0D108BD9-81ED-4DB2-BD59-A6C34878D82A}">
-                    <a16:rowId xmlns="" xmlns:a16="http://schemas.microsoft.com/office/drawing/2014/main" val="1683186386"/>
+                    <a16:rowId xmlns:a16="http://schemas.microsoft.com/office/drawing/2014/main" val="1683186386"/>
                   </a:ext>
                 </a:extLst>
               </a:tr>
@@ -11359,7 +11359,7 @@
                 </a:tc>
                 <a:extLst>
                   <a:ext uri="{0D108BD9-81ED-4DB2-BD59-A6C34878D82A}">
-                    <a16:rowId xmlns="" xmlns:a16="http://schemas.microsoft.com/office/drawing/2014/main" val="3915424355"/>
+                    <a16:rowId xmlns:a16="http://schemas.microsoft.com/office/drawing/2014/main" val="3915424355"/>
                   </a:ext>
                 </a:extLst>
               </a:tr>
@@ -11714,7 +11714,7 @@
                 </a:tc>
                 <a:extLst>
                   <a:ext uri="{0D108BD9-81ED-4DB2-BD59-A6C34878D82A}">
-                    <a16:rowId xmlns="" xmlns:a16="http://schemas.microsoft.com/office/drawing/2014/main" val="3743177810"/>
+                    <a16:rowId xmlns:a16="http://schemas.microsoft.com/office/drawing/2014/main" val="3743177810"/>
                   </a:ext>
                 </a:extLst>
               </a:tr>
@@ -12069,7 +12069,7 @@
                 </a:tc>
                 <a:extLst>
                   <a:ext uri="{0D108BD9-81ED-4DB2-BD59-A6C34878D82A}">
-                    <a16:rowId xmlns="" xmlns:a16="http://schemas.microsoft.com/office/drawing/2014/main" val="3301693588"/>
+                    <a16:rowId xmlns:a16="http://schemas.microsoft.com/office/drawing/2014/main" val="3301693588"/>
                   </a:ext>
                 </a:extLst>
               </a:tr>
@@ -12416,7 +12416,7 @@
                 </a:tc>
                 <a:extLst>
                   <a:ext uri="{0D108BD9-81ED-4DB2-BD59-A6C34878D82A}">
-                    <a16:rowId xmlns="" xmlns:a16="http://schemas.microsoft.com/office/drawing/2014/main" val="3697630958"/>
+                    <a16:rowId xmlns:a16="http://schemas.microsoft.com/office/drawing/2014/main" val="3697630958"/>
                   </a:ext>
                 </a:extLst>
               </a:tr>
@@ -12608,7 +12608,13 @@
                 <a:tableStyleId>{5940675A-B579-460E-94D1-54222C63F5DA}</a:tableStyleId>
               </a:tblPr>
               <a:tblGrid>
-                <a:gridCol w="2150533"/>
+                <a:gridCol w="2150533">
+                  <a:extLst>
+                    <a:ext uri="{9D8B030D-6E8A-4147-A177-3AD203B41FA5}">
+                      <a16:colId xmlns:a16="http://schemas.microsoft.com/office/drawing/2014/main" val="20000"/>
+                    </a:ext>
+                  </a:extLst>
+                </a:gridCol>
               </a:tblGrid>
               <a:tr h="250568">
                 <a:tc>
@@ -12636,6 +12642,11 @@
                   </a:txBody>
                   <a:tcPr anchor="ctr"/>
                 </a:tc>
+                <a:extLst>
+                  <a:ext uri="{0D108BD9-81ED-4DB2-BD59-A6C34878D82A}">
+                    <a16:rowId xmlns:a16="http://schemas.microsoft.com/office/drawing/2014/main" val="10000"/>
+                  </a:ext>
+                </a:extLst>
               </a:tr>
               <a:tr h="757432">
                 <a:tc>
@@ -12657,6 +12668,11 @@
                   </a:txBody>
                   <a:tcPr anchor="ctr"/>
                 </a:tc>
+                <a:extLst>
+                  <a:ext uri="{0D108BD9-81ED-4DB2-BD59-A6C34878D82A}">
+                    <a16:rowId xmlns:a16="http://schemas.microsoft.com/office/drawing/2014/main" val="10001"/>
+                  </a:ext>
+                </a:extLst>
               </a:tr>
             </a:tbl>
           </a:graphicData>
@@ -12687,7 +12703,13 @@
                 <a:tableStyleId>{5940675A-B579-460E-94D1-54222C63F5DA}</a:tableStyleId>
               </a:tblPr>
               <a:tblGrid>
-                <a:gridCol w="2150533"/>
+                <a:gridCol w="2150533">
+                  <a:extLst>
+                    <a:ext uri="{9D8B030D-6E8A-4147-A177-3AD203B41FA5}">
+                      <a16:colId xmlns:a16="http://schemas.microsoft.com/office/drawing/2014/main" val="20000"/>
+                    </a:ext>
+                  </a:extLst>
+                </a:gridCol>
               </a:tblGrid>
               <a:tr h="250596">
                 <a:tc>
@@ -12715,6 +12737,11 @@
                   </a:txBody>
                   <a:tcPr anchor="ctr"/>
                 </a:tc>
+                <a:extLst>
+                  <a:ext uri="{0D108BD9-81ED-4DB2-BD59-A6C34878D82A}">
+                    <a16:rowId xmlns:a16="http://schemas.microsoft.com/office/drawing/2014/main" val="10000"/>
+                  </a:ext>
+                </a:extLst>
               </a:tr>
               <a:tr h="757404">
                 <a:tc>
@@ -12751,6 +12778,11 @@
                   </a:txBody>
                   <a:tcPr anchor="ctr"/>
                 </a:tc>
+                <a:extLst>
+                  <a:ext uri="{0D108BD9-81ED-4DB2-BD59-A6C34878D82A}">
+                    <a16:rowId xmlns:a16="http://schemas.microsoft.com/office/drawing/2014/main" val="10001"/>
+                  </a:ext>
+                </a:extLst>
               </a:tr>
             </a:tbl>
           </a:graphicData>
@@ -12781,7 +12813,13 @@
                 <a:tableStyleId>{5940675A-B579-460E-94D1-54222C63F5DA}</a:tableStyleId>
               </a:tblPr>
               <a:tblGrid>
-                <a:gridCol w="2150533"/>
+                <a:gridCol w="2150533">
+                  <a:extLst>
+                    <a:ext uri="{9D8B030D-6E8A-4147-A177-3AD203B41FA5}">
+                      <a16:colId xmlns:a16="http://schemas.microsoft.com/office/drawing/2014/main" val="20000"/>
+                    </a:ext>
+                  </a:extLst>
+                </a:gridCol>
               </a:tblGrid>
               <a:tr h="250619">
                 <a:tc>
@@ -12836,6 +12874,11 @@
                   </a:txBody>
                   <a:tcPr anchor="ctr"/>
                 </a:tc>
+                <a:extLst>
+                  <a:ext uri="{0D108BD9-81ED-4DB2-BD59-A6C34878D82A}">
+                    <a16:rowId xmlns:a16="http://schemas.microsoft.com/office/drawing/2014/main" val="10000"/>
+                  </a:ext>
+                </a:extLst>
               </a:tr>
               <a:tr h="757381">
                 <a:tc>
@@ -12863,6 +12906,11 @@
                   </a:txBody>
                   <a:tcPr anchor="ctr"/>
                 </a:tc>
+                <a:extLst>
+                  <a:ext uri="{0D108BD9-81ED-4DB2-BD59-A6C34878D82A}">
+                    <a16:rowId xmlns:a16="http://schemas.microsoft.com/office/drawing/2014/main" val="10001"/>
+                  </a:ext>
+                </a:extLst>
               </a:tr>
             </a:tbl>
           </a:graphicData>
@@ -12893,7 +12941,13 @@
                 <a:tableStyleId>{5940675A-B579-460E-94D1-54222C63F5DA}</a:tableStyleId>
               </a:tblPr>
               <a:tblGrid>
-                <a:gridCol w="2150533"/>
+                <a:gridCol w="2150533">
+                  <a:extLst>
+                    <a:ext uri="{9D8B030D-6E8A-4147-A177-3AD203B41FA5}">
+                      <a16:colId xmlns:a16="http://schemas.microsoft.com/office/drawing/2014/main" val="20000"/>
+                    </a:ext>
+                  </a:extLst>
+                </a:gridCol>
               </a:tblGrid>
               <a:tr h="248027">
                 <a:tc>
@@ -12964,6 +13018,11 @@
                   </a:txBody>
                   <a:tcPr anchor="ctr"/>
                 </a:tc>
+                <a:extLst>
+                  <a:ext uri="{0D108BD9-81ED-4DB2-BD59-A6C34878D82A}">
+                    <a16:rowId xmlns:a16="http://schemas.microsoft.com/office/drawing/2014/main" val="10000"/>
+                  </a:ext>
+                </a:extLst>
               </a:tr>
               <a:tr h="1343445">
                 <a:tc>
@@ -13135,6 +13194,11 @@
                   </a:txBody>
                   <a:tcPr anchor="ctr"/>
                 </a:tc>
+                <a:extLst>
+                  <a:ext uri="{0D108BD9-81ED-4DB2-BD59-A6C34878D82A}">
+                    <a16:rowId xmlns:a16="http://schemas.microsoft.com/office/drawing/2014/main" val="10001"/>
+                  </a:ext>
+                </a:extLst>
               </a:tr>
             </a:tbl>
           </a:graphicData>
@@ -13165,7 +13229,13 @@
                 <a:tableStyleId>{5940675A-B579-460E-94D1-54222C63F5DA}</a:tableStyleId>
               </a:tblPr>
               <a:tblGrid>
-                <a:gridCol w="2150533"/>
+                <a:gridCol w="2150533">
+                  <a:extLst>
+                    <a:ext uri="{9D8B030D-6E8A-4147-A177-3AD203B41FA5}">
+                      <a16:colId xmlns:a16="http://schemas.microsoft.com/office/drawing/2014/main" val="20000"/>
+                    </a:ext>
+                  </a:extLst>
+                </a:gridCol>
               </a:tblGrid>
               <a:tr h="250596">
                 <a:tc>
@@ -13202,6 +13272,11 @@
                   </a:txBody>
                   <a:tcPr anchor="ctr"/>
                 </a:tc>
+                <a:extLst>
+                  <a:ext uri="{0D108BD9-81ED-4DB2-BD59-A6C34878D82A}">
+                    <a16:rowId xmlns:a16="http://schemas.microsoft.com/office/drawing/2014/main" val="10000"/>
+                  </a:ext>
+                </a:extLst>
               </a:tr>
               <a:tr h="757404">
                 <a:tc>
@@ -13229,6 +13304,11 @@
                   </a:txBody>
                   <a:tcPr anchor="ctr"/>
                 </a:tc>
+                <a:extLst>
+                  <a:ext uri="{0D108BD9-81ED-4DB2-BD59-A6C34878D82A}">
+                    <a16:rowId xmlns:a16="http://schemas.microsoft.com/office/drawing/2014/main" val="10001"/>
+                  </a:ext>
+                </a:extLst>
               </a:tr>
             </a:tbl>
           </a:graphicData>
@@ -13259,7 +13339,13 @@
                 <a:tableStyleId>{5940675A-B579-460E-94D1-54222C63F5DA}</a:tableStyleId>
               </a:tblPr>
               <a:tblGrid>
-                <a:gridCol w="2150533"/>
+                <a:gridCol w="2150533">
+                  <a:extLst>
+                    <a:ext uri="{9D8B030D-6E8A-4147-A177-3AD203B41FA5}">
+                      <a16:colId xmlns:a16="http://schemas.microsoft.com/office/drawing/2014/main" val="20000"/>
+                    </a:ext>
+                  </a:extLst>
+                </a:gridCol>
               </a:tblGrid>
               <a:tr h="408390">
                 <a:tc>
@@ -13330,6 +13416,11 @@
                   </a:txBody>
                   <a:tcPr anchor="ctr"/>
                 </a:tc>
+                <a:extLst>
+                  <a:ext uri="{0D108BD9-81ED-4DB2-BD59-A6C34878D82A}">
+                    <a16:rowId xmlns:a16="http://schemas.microsoft.com/office/drawing/2014/main" val="10000"/>
+                  </a:ext>
+                </a:extLst>
               </a:tr>
               <a:tr h="599610">
                 <a:tc>
@@ -13357,6 +13448,11 @@
                   </a:txBody>
                   <a:tcPr anchor="ctr"/>
                 </a:tc>
+                <a:extLst>
+                  <a:ext uri="{0D108BD9-81ED-4DB2-BD59-A6C34878D82A}">
+                    <a16:rowId xmlns:a16="http://schemas.microsoft.com/office/drawing/2014/main" val="10001"/>
+                  </a:ext>
+                </a:extLst>
               </a:tr>
             </a:tbl>
           </a:graphicData>
@@ -13387,7 +13483,13 @@
                 <a:tableStyleId>{5940675A-B579-460E-94D1-54222C63F5DA}</a:tableStyleId>
               </a:tblPr>
               <a:tblGrid>
-                <a:gridCol w="2150533"/>
+                <a:gridCol w="2150533">
+                  <a:extLst>
+                    <a:ext uri="{9D8B030D-6E8A-4147-A177-3AD203B41FA5}">
+                      <a16:colId xmlns:a16="http://schemas.microsoft.com/office/drawing/2014/main" val="20000"/>
+                    </a:ext>
+                  </a:extLst>
+                </a:gridCol>
               </a:tblGrid>
               <a:tr h="186448">
                 <a:tc>
@@ -13437,6 +13539,11 @@
                   </a:txBody>
                   <a:tcPr anchor="ctr"/>
                 </a:tc>
+                <a:extLst>
+                  <a:ext uri="{0D108BD9-81ED-4DB2-BD59-A6C34878D82A}">
+                    <a16:rowId xmlns:a16="http://schemas.microsoft.com/office/drawing/2014/main" val="10000"/>
+                  </a:ext>
+                </a:extLst>
               </a:tr>
               <a:tr h="1009902">
                 <a:tc>
@@ -13545,6 +13652,11 @@
                   </a:txBody>
                   <a:tcPr anchor="ctr"/>
                 </a:tc>
+                <a:extLst>
+                  <a:ext uri="{0D108BD9-81ED-4DB2-BD59-A6C34878D82A}">
+                    <a16:rowId xmlns:a16="http://schemas.microsoft.com/office/drawing/2014/main" val="10001"/>
+                  </a:ext>
+                </a:extLst>
               </a:tr>
             </a:tbl>
           </a:graphicData>
@@ -14553,14 +14665,14 @@
                 <a:gridCol w="329695">
                   <a:extLst>
                     <a:ext uri="{9D8B030D-6E8A-4147-A177-3AD203B41FA5}">
-                      <a16:colId xmlns="" xmlns:a16="http://schemas.microsoft.com/office/drawing/2014/main" val="20000"/>
+                      <a16:colId xmlns:a16="http://schemas.microsoft.com/office/drawing/2014/main" val="20000"/>
                     </a:ext>
                   </a:extLst>
                 </a:gridCol>
                 <a:gridCol w="1976228">
                   <a:extLst>
                     <a:ext uri="{9D8B030D-6E8A-4147-A177-3AD203B41FA5}">
-                      <a16:colId xmlns="" xmlns:a16="http://schemas.microsoft.com/office/drawing/2014/main" val="20001"/>
+                      <a16:colId xmlns:a16="http://schemas.microsoft.com/office/drawing/2014/main" val="20001"/>
                     </a:ext>
                   </a:extLst>
                 </a:gridCol>
@@ -14829,7 +14941,7 @@
                 </a:tc>
                 <a:extLst>
                   <a:ext uri="{0D108BD9-81ED-4DB2-BD59-A6C34878D82A}">
-                    <a16:rowId xmlns="" xmlns:a16="http://schemas.microsoft.com/office/drawing/2014/main" val="10000"/>
+                    <a16:rowId xmlns:a16="http://schemas.microsoft.com/office/drawing/2014/main" val="10000"/>
                   </a:ext>
                 </a:extLst>
               </a:tr>
@@ -15047,7 +15159,7 @@
                 </a:tc>
                 <a:extLst>
                   <a:ext uri="{0D108BD9-81ED-4DB2-BD59-A6C34878D82A}">
-                    <a16:rowId xmlns="" xmlns:a16="http://schemas.microsoft.com/office/drawing/2014/main" val="10001"/>
+                    <a16:rowId xmlns:a16="http://schemas.microsoft.com/office/drawing/2014/main" val="10001"/>
                   </a:ext>
                 </a:extLst>
               </a:tr>
@@ -15213,7 +15325,7 @@
                 </a:tc>
                 <a:extLst>
                   <a:ext uri="{0D108BD9-81ED-4DB2-BD59-A6C34878D82A}">
-                    <a16:rowId xmlns="" xmlns:a16="http://schemas.microsoft.com/office/drawing/2014/main" val="4155826467"/>
+                    <a16:rowId xmlns:a16="http://schemas.microsoft.com/office/drawing/2014/main" val="4155826467"/>
                   </a:ext>
                 </a:extLst>
               </a:tr>
@@ -15555,7 +15667,7 @@
                 </a:tc>
                 <a:extLst>
                   <a:ext uri="{0D108BD9-81ED-4DB2-BD59-A6C34878D82A}">
-                    <a16:rowId xmlns="" xmlns:a16="http://schemas.microsoft.com/office/drawing/2014/main" val="10002"/>
+                    <a16:rowId xmlns:a16="http://schemas.microsoft.com/office/drawing/2014/main" val="10002"/>
                   </a:ext>
                 </a:extLst>
               </a:tr>
@@ -15704,7 +15816,7 @@
                 </a:tc>
                 <a:extLst>
                   <a:ext uri="{0D108BD9-81ED-4DB2-BD59-A6C34878D82A}">
-                    <a16:rowId xmlns="" xmlns:a16="http://schemas.microsoft.com/office/drawing/2014/main" val="10003"/>
+                    <a16:rowId xmlns:a16="http://schemas.microsoft.com/office/drawing/2014/main" val="10003"/>
                   </a:ext>
                 </a:extLst>
               </a:tr>
@@ -15853,7 +15965,7 @@
                 </a:tc>
                 <a:extLst>
                   <a:ext uri="{0D108BD9-81ED-4DB2-BD59-A6C34878D82A}">
-                    <a16:rowId xmlns="" xmlns:a16="http://schemas.microsoft.com/office/drawing/2014/main" val="10004"/>
+                    <a16:rowId xmlns:a16="http://schemas.microsoft.com/office/drawing/2014/main" val="10004"/>
                   </a:ext>
                 </a:extLst>
               </a:tr>
@@ -16002,7 +16114,7 @@
                 </a:tc>
                 <a:extLst>
                   <a:ext uri="{0D108BD9-81ED-4DB2-BD59-A6C34878D82A}">
-                    <a16:rowId xmlns="" xmlns:a16="http://schemas.microsoft.com/office/drawing/2014/main" val="10005"/>
+                    <a16:rowId xmlns:a16="http://schemas.microsoft.com/office/drawing/2014/main" val="10005"/>
                   </a:ext>
                 </a:extLst>
               </a:tr>
@@ -16151,7 +16263,7 @@
                 </a:tc>
                 <a:extLst>
                   <a:ext uri="{0D108BD9-81ED-4DB2-BD59-A6C34878D82A}">
-                    <a16:rowId xmlns="" xmlns:a16="http://schemas.microsoft.com/office/drawing/2014/main" val="10006"/>
+                    <a16:rowId xmlns:a16="http://schemas.microsoft.com/office/drawing/2014/main" val="10006"/>
                   </a:ext>
                 </a:extLst>
               </a:tr>
@@ -16301,7 +16413,7 @@
                 </a:tc>
                 <a:extLst>
                   <a:ext uri="{0D108BD9-81ED-4DB2-BD59-A6C34878D82A}">
-                    <a16:rowId xmlns="" xmlns:a16="http://schemas.microsoft.com/office/drawing/2014/main" val="10007"/>
+                    <a16:rowId xmlns:a16="http://schemas.microsoft.com/office/drawing/2014/main" val="10007"/>
                   </a:ext>
                 </a:extLst>
               </a:tr>
@@ -16451,7 +16563,7 @@
                 </a:tc>
                 <a:extLst>
                   <a:ext uri="{0D108BD9-81ED-4DB2-BD59-A6C34878D82A}">
-                    <a16:rowId xmlns="" xmlns:a16="http://schemas.microsoft.com/office/drawing/2014/main" val="10008"/>
+                    <a16:rowId xmlns:a16="http://schemas.microsoft.com/office/drawing/2014/main" val="10008"/>
                   </a:ext>
                 </a:extLst>
               </a:tr>
@@ -16601,7 +16713,7 @@
                 </a:tc>
                 <a:extLst>
                   <a:ext uri="{0D108BD9-81ED-4DB2-BD59-A6C34878D82A}">
-                    <a16:rowId xmlns="" xmlns:a16="http://schemas.microsoft.com/office/drawing/2014/main" val="10009"/>
+                    <a16:rowId xmlns:a16="http://schemas.microsoft.com/office/drawing/2014/main" val="10009"/>
                   </a:ext>
                 </a:extLst>
               </a:tr>
@@ -16751,7 +16863,7 @@
                 </a:tc>
                 <a:extLst>
                   <a:ext uri="{0D108BD9-81ED-4DB2-BD59-A6C34878D82A}">
-                    <a16:rowId xmlns="" xmlns:a16="http://schemas.microsoft.com/office/drawing/2014/main" val="10010"/>
+                    <a16:rowId xmlns:a16="http://schemas.microsoft.com/office/drawing/2014/main" val="10010"/>
                   </a:ext>
                 </a:extLst>
               </a:tr>
@@ -16901,7 +17013,7 @@
                 </a:tc>
                 <a:extLst>
                   <a:ext uri="{0D108BD9-81ED-4DB2-BD59-A6C34878D82A}">
-                    <a16:rowId xmlns="" xmlns:a16="http://schemas.microsoft.com/office/drawing/2014/main" val="10011"/>
+                    <a16:rowId xmlns:a16="http://schemas.microsoft.com/office/drawing/2014/main" val="10011"/>
                   </a:ext>
                 </a:extLst>
               </a:tr>
@@ -17051,7 +17163,7 @@
                 </a:tc>
                 <a:extLst>
                   <a:ext uri="{0D108BD9-81ED-4DB2-BD59-A6C34878D82A}">
-                    <a16:rowId xmlns="" xmlns:a16="http://schemas.microsoft.com/office/drawing/2014/main" val="10012"/>
+                    <a16:rowId xmlns:a16="http://schemas.microsoft.com/office/drawing/2014/main" val="10012"/>
                   </a:ext>
                 </a:extLst>
               </a:tr>
@@ -17201,7 +17313,7 @@
                 </a:tc>
                 <a:extLst>
                   <a:ext uri="{0D108BD9-81ED-4DB2-BD59-A6C34878D82A}">
-                    <a16:rowId xmlns="" xmlns:a16="http://schemas.microsoft.com/office/drawing/2014/main" val="2113752027"/>
+                    <a16:rowId xmlns:a16="http://schemas.microsoft.com/office/drawing/2014/main" val="2113752027"/>
                   </a:ext>
                 </a:extLst>
               </a:tr>
@@ -17351,7 +17463,7 @@
                 </a:tc>
                 <a:extLst>
                   <a:ext uri="{0D108BD9-81ED-4DB2-BD59-A6C34878D82A}">
-                    <a16:rowId xmlns="" xmlns:a16="http://schemas.microsoft.com/office/drawing/2014/main" val="2375804821"/>
+                    <a16:rowId xmlns:a16="http://schemas.microsoft.com/office/drawing/2014/main" val="2375804821"/>
                   </a:ext>
                 </a:extLst>
               </a:tr>
@@ -17708,7 +17820,7 @@
         </p:nvGraphicFramePr>
         <p:xfrm>
           <a:off x="9743769" y="641835"/>
-          <a:ext cx="2305923" cy="4629747"/>
+          <a:ext cx="2305923" cy="4618381"/>
         </p:xfrm>
         <a:graphic>
           <a:graphicData uri="http://schemas.openxmlformats.org/drawingml/2006/table">
@@ -17718,14 +17830,14 @@
                 <a:gridCol w="329695">
                   <a:extLst>
                     <a:ext uri="{9D8B030D-6E8A-4147-A177-3AD203B41FA5}">
-                      <a16:colId xmlns="" xmlns:a16="http://schemas.microsoft.com/office/drawing/2014/main" val="20000"/>
+                      <a16:colId xmlns:a16="http://schemas.microsoft.com/office/drawing/2014/main" val="20000"/>
                     </a:ext>
                   </a:extLst>
                 </a:gridCol>
                 <a:gridCol w="1976228">
                   <a:extLst>
                     <a:ext uri="{9D8B030D-6E8A-4147-A177-3AD203B41FA5}">
-                      <a16:colId xmlns="" xmlns:a16="http://schemas.microsoft.com/office/drawing/2014/main" val="20001"/>
+                      <a16:colId xmlns:a16="http://schemas.microsoft.com/office/drawing/2014/main" val="20001"/>
                     </a:ext>
                   </a:extLst>
                 </a:gridCol>
@@ -17994,7 +18106,7 @@
                 </a:tc>
                 <a:extLst>
                   <a:ext uri="{0D108BD9-81ED-4DB2-BD59-A6C34878D82A}">
-                    <a16:rowId xmlns="" xmlns:a16="http://schemas.microsoft.com/office/drawing/2014/main" val="10000"/>
+                    <a16:rowId xmlns:a16="http://schemas.microsoft.com/office/drawing/2014/main" val="10000"/>
                   </a:ext>
                 </a:extLst>
               </a:tr>
@@ -18212,7 +18324,7 @@
                 </a:tc>
                 <a:extLst>
                   <a:ext uri="{0D108BD9-81ED-4DB2-BD59-A6C34878D82A}">
-                    <a16:rowId xmlns="" xmlns:a16="http://schemas.microsoft.com/office/drawing/2014/main" val="10001"/>
+                    <a16:rowId xmlns:a16="http://schemas.microsoft.com/office/drawing/2014/main" val="10001"/>
                   </a:ext>
                 </a:extLst>
               </a:tr>
@@ -18378,7 +18490,7 @@
                 </a:tc>
                 <a:extLst>
                   <a:ext uri="{0D108BD9-81ED-4DB2-BD59-A6C34878D82A}">
-                    <a16:rowId xmlns="" xmlns:a16="http://schemas.microsoft.com/office/drawing/2014/main" val="4155826467"/>
+                    <a16:rowId xmlns:a16="http://schemas.microsoft.com/office/drawing/2014/main" val="4155826467"/>
                   </a:ext>
                 </a:extLst>
               </a:tr>
@@ -18706,7 +18818,7 @@
                 </a:tc>
                 <a:extLst>
                   <a:ext uri="{0D108BD9-81ED-4DB2-BD59-A6C34878D82A}">
-                    <a16:rowId xmlns="" xmlns:a16="http://schemas.microsoft.com/office/drawing/2014/main" val="10002"/>
+                    <a16:rowId xmlns:a16="http://schemas.microsoft.com/office/drawing/2014/main" val="10002"/>
                   </a:ext>
                 </a:extLst>
               </a:tr>
@@ -19014,7 +19126,7 @@
                 </a:tc>
                 <a:extLst>
                   <a:ext uri="{0D108BD9-81ED-4DB2-BD59-A6C34878D82A}">
-                    <a16:rowId xmlns="" xmlns:a16="http://schemas.microsoft.com/office/drawing/2014/main" val="10003"/>
+                    <a16:rowId xmlns:a16="http://schemas.microsoft.com/office/drawing/2014/main" val="10003"/>
                   </a:ext>
                 </a:extLst>
               </a:tr>
@@ -19266,7 +19378,7 @@
                 </a:tc>
                 <a:extLst>
                   <a:ext uri="{0D108BD9-81ED-4DB2-BD59-A6C34878D82A}">
-                    <a16:rowId xmlns="" xmlns:a16="http://schemas.microsoft.com/office/drawing/2014/main" val="10004"/>
+                    <a16:rowId xmlns:a16="http://schemas.microsoft.com/office/drawing/2014/main" val="10004"/>
                   </a:ext>
                 </a:extLst>
               </a:tr>
@@ -19494,7 +19606,7 @@
                 </a:tc>
                 <a:extLst>
                   <a:ext uri="{0D108BD9-81ED-4DB2-BD59-A6C34878D82A}">
-                    <a16:rowId xmlns="" xmlns:a16="http://schemas.microsoft.com/office/drawing/2014/main" val="10005"/>
+                    <a16:rowId xmlns:a16="http://schemas.microsoft.com/office/drawing/2014/main" val="10005"/>
                   </a:ext>
                 </a:extLst>
               </a:tr>
@@ -19673,7 +19785,7 @@
                 </a:tc>
                 <a:extLst>
                   <a:ext uri="{0D108BD9-81ED-4DB2-BD59-A6C34878D82A}">
-                    <a16:rowId xmlns="" xmlns:a16="http://schemas.microsoft.com/office/drawing/2014/main" val="10006"/>
+                    <a16:rowId xmlns:a16="http://schemas.microsoft.com/office/drawing/2014/main" val="10006"/>
                   </a:ext>
                 </a:extLst>
               </a:tr>
@@ -19823,7 +19935,7 @@
                 </a:tc>
                 <a:extLst>
                   <a:ext uri="{0D108BD9-81ED-4DB2-BD59-A6C34878D82A}">
-                    <a16:rowId xmlns="" xmlns:a16="http://schemas.microsoft.com/office/drawing/2014/main" val="10007"/>
+                    <a16:rowId xmlns:a16="http://schemas.microsoft.com/office/drawing/2014/main" val="10007"/>
                   </a:ext>
                 </a:extLst>
               </a:tr>
@@ -19973,7 +20085,7 @@
                 </a:tc>
                 <a:extLst>
                   <a:ext uri="{0D108BD9-81ED-4DB2-BD59-A6C34878D82A}">
-                    <a16:rowId xmlns="" xmlns:a16="http://schemas.microsoft.com/office/drawing/2014/main" val="10008"/>
+                    <a16:rowId xmlns:a16="http://schemas.microsoft.com/office/drawing/2014/main" val="10008"/>
                   </a:ext>
                 </a:extLst>
               </a:tr>
@@ -20123,7 +20235,7 @@
                 </a:tc>
                 <a:extLst>
                   <a:ext uri="{0D108BD9-81ED-4DB2-BD59-A6C34878D82A}">
-                    <a16:rowId xmlns="" xmlns:a16="http://schemas.microsoft.com/office/drawing/2014/main" val="10009"/>
+                    <a16:rowId xmlns:a16="http://schemas.microsoft.com/office/drawing/2014/main" val="10009"/>
                   </a:ext>
                 </a:extLst>
               </a:tr>
@@ -20273,7 +20385,7 @@
                 </a:tc>
                 <a:extLst>
                   <a:ext uri="{0D108BD9-81ED-4DB2-BD59-A6C34878D82A}">
-                    <a16:rowId xmlns="" xmlns:a16="http://schemas.microsoft.com/office/drawing/2014/main" val="10010"/>
+                    <a16:rowId xmlns:a16="http://schemas.microsoft.com/office/drawing/2014/main" val="10010"/>
                   </a:ext>
                 </a:extLst>
               </a:tr>
@@ -20423,7 +20535,7 @@
                 </a:tc>
                 <a:extLst>
                   <a:ext uri="{0D108BD9-81ED-4DB2-BD59-A6C34878D82A}">
-                    <a16:rowId xmlns="" xmlns:a16="http://schemas.microsoft.com/office/drawing/2014/main" val="10011"/>
+                    <a16:rowId xmlns:a16="http://schemas.microsoft.com/office/drawing/2014/main" val="10011"/>
                   </a:ext>
                 </a:extLst>
               </a:tr>
@@ -20573,7 +20685,7 @@
                 </a:tc>
                 <a:extLst>
                   <a:ext uri="{0D108BD9-81ED-4DB2-BD59-A6C34878D82A}">
-                    <a16:rowId xmlns="" xmlns:a16="http://schemas.microsoft.com/office/drawing/2014/main" val="10012"/>
+                    <a16:rowId xmlns:a16="http://schemas.microsoft.com/office/drawing/2014/main" val="10012"/>
                   </a:ext>
                 </a:extLst>
               </a:tr>
@@ -20723,7 +20835,7 @@
                 </a:tc>
                 <a:extLst>
                   <a:ext uri="{0D108BD9-81ED-4DB2-BD59-A6C34878D82A}">
-                    <a16:rowId xmlns="" xmlns:a16="http://schemas.microsoft.com/office/drawing/2014/main" val="2113752027"/>
+                    <a16:rowId xmlns:a16="http://schemas.microsoft.com/office/drawing/2014/main" val="2113752027"/>
                   </a:ext>
                 </a:extLst>
               </a:tr>
@@ -20873,7 +20985,7 @@
                 </a:tc>
                 <a:extLst>
                   <a:ext uri="{0D108BD9-81ED-4DB2-BD59-A6C34878D82A}">
-                    <a16:rowId xmlns="" xmlns:a16="http://schemas.microsoft.com/office/drawing/2014/main" val="2375804821"/>
+                    <a16:rowId xmlns:a16="http://schemas.microsoft.com/office/drawing/2014/main" val="2375804821"/>
                   </a:ext>
                 </a:extLst>
               </a:tr>
@@ -21094,14 +21206,14 @@
           <p:nvPr>
             <p:extLst>
               <p:ext uri="{D42A27DB-BD31-4B8C-83A1-F6EECF244321}">
-                <p14:modId xmlns:p14="http://schemas.microsoft.com/office/powerpoint/2010/main" val="3757968053"/>
+                <p14:modId xmlns:p14="http://schemas.microsoft.com/office/powerpoint/2010/main" val="3372492543"/>
               </p:ext>
             </p:extLst>
           </p:nvPr>
         </p:nvGraphicFramePr>
         <p:xfrm>
           <a:off x="9743769" y="668409"/>
-          <a:ext cx="2305923" cy="4629747"/>
+          <a:ext cx="2305923" cy="4618381"/>
         </p:xfrm>
         <a:graphic>
           <a:graphicData uri="http://schemas.openxmlformats.org/drawingml/2006/table">
@@ -21111,14 +21223,14 @@
                 <a:gridCol w="329695">
                   <a:extLst>
                     <a:ext uri="{9D8B030D-6E8A-4147-A177-3AD203B41FA5}">
-                      <a16:colId xmlns="" xmlns:a16="http://schemas.microsoft.com/office/drawing/2014/main" val="20000"/>
+                      <a16:colId xmlns:a16="http://schemas.microsoft.com/office/drawing/2014/main" val="20000"/>
                     </a:ext>
                   </a:extLst>
                 </a:gridCol>
                 <a:gridCol w="1976228">
                   <a:extLst>
                     <a:ext uri="{9D8B030D-6E8A-4147-A177-3AD203B41FA5}">
-                      <a16:colId xmlns="" xmlns:a16="http://schemas.microsoft.com/office/drawing/2014/main" val="20001"/>
+                      <a16:colId xmlns:a16="http://schemas.microsoft.com/office/drawing/2014/main" val="20001"/>
                     </a:ext>
                   </a:extLst>
                 </a:gridCol>
@@ -21387,7 +21499,7 @@
                 </a:tc>
                 <a:extLst>
                   <a:ext uri="{0D108BD9-81ED-4DB2-BD59-A6C34878D82A}">
-                    <a16:rowId xmlns="" xmlns:a16="http://schemas.microsoft.com/office/drawing/2014/main" val="10000"/>
+                    <a16:rowId xmlns:a16="http://schemas.microsoft.com/office/drawing/2014/main" val="10000"/>
                   </a:ext>
                 </a:extLst>
               </a:tr>
@@ -21605,7 +21717,7 @@
                 </a:tc>
                 <a:extLst>
                   <a:ext uri="{0D108BD9-81ED-4DB2-BD59-A6C34878D82A}">
-                    <a16:rowId xmlns="" xmlns:a16="http://schemas.microsoft.com/office/drawing/2014/main" val="10001"/>
+                    <a16:rowId xmlns:a16="http://schemas.microsoft.com/office/drawing/2014/main" val="10001"/>
                   </a:ext>
                 </a:extLst>
               </a:tr>
@@ -21771,7 +21883,7 @@
                 </a:tc>
                 <a:extLst>
                   <a:ext uri="{0D108BD9-81ED-4DB2-BD59-A6C34878D82A}">
-                    <a16:rowId xmlns="" xmlns:a16="http://schemas.microsoft.com/office/drawing/2014/main" val="4155826467"/>
+                    <a16:rowId xmlns:a16="http://schemas.microsoft.com/office/drawing/2014/main" val="4155826467"/>
                   </a:ext>
                 </a:extLst>
               </a:tr>
@@ -22089,7 +22201,7 @@
                 </a:tc>
                 <a:extLst>
                   <a:ext uri="{0D108BD9-81ED-4DB2-BD59-A6C34878D82A}">
-                    <a16:rowId xmlns="" xmlns:a16="http://schemas.microsoft.com/office/drawing/2014/main" val="10002"/>
+                    <a16:rowId xmlns:a16="http://schemas.microsoft.com/office/drawing/2014/main" val="10002"/>
                   </a:ext>
                 </a:extLst>
               </a:tr>
@@ -22356,7 +22468,7 @@
                 </a:tc>
                 <a:extLst>
                   <a:ext uri="{0D108BD9-81ED-4DB2-BD59-A6C34878D82A}">
-                    <a16:rowId xmlns="" xmlns:a16="http://schemas.microsoft.com/office/drawing/2014/main" val="10003"/>
+                    <a16:rowId xmlns:a16="http://schemas.microsoft.com/office/drawing/2014/main" val="10003"/>
                   </a:ext>
                 </a:extLst>
               </a:tr>
@@ -22592,7 +22704,7 @@
                 </a:tc>
                 <a:extLst>
                   <a:ext uri="{0D108BD9-81ED-4DB2-BD59-A6C34878D82A}">
-                    <a16:rowId xmlns="" xmlns:a16="http://schemas.microsoft.com/office/drawing/2014/main" val="10004"/>
+                    <a16:rowId xmlns:a16="http://schemas.microsoft.com/office/drawing/2014/main" val="10004"/>
                   </a:ext>
                 </a:extLst>
               </a:tr>
@@ -22820,7 +22932,7 @@
                 </a:tc>
                 <a:extLst>
                   <a:ext uri="{0D108BD9-81ED-4DB2-BD59-A6C34878D82A}">
-                    <a16:rowId xmlns="" xmlns:a16="http://schemas.microsoft.com/office/drawing/2014/main" val="10005"/>
+                    <a16:rowId xmlns:a16="http://schemas.microsoft.com/office/drawing/2014/main" val="10005"/>
                   </a:ext>
                 </a:extLst>
               </a:tr>
@@ -22999,7 +23111,7 @@
                 </a:tc>
                 <a:extLst>
                   <a:ext uri="{0D108BD9-81ED-4DB2-BD59-A6C34878D82A}">
-                    <a16:rowId xmlns="" xmlns:a16="http://schemas.microsoft.com/office/drawing/2014/main" val="10006"/>
+                    <a16:rowId xmlns:a16="http://schemas.microsoft.com/office/drawing/2014/main" val="10006"/>
                   </a:ext>
                 </a:extLst>
               </a:tr>
@@ -23149,7 +23261,7 @@
                 </a:tc>
                 <a:extLst>
                   <a:ext uri="{0D108BD9-81ED-4DB2-BD59-A6C34878D82A}">
-                    <a16:rowId xmlns="" xmlns:a16="http://schemas.microsoft.com/office/drawing/2014/main" val="10007"/>
+                    <a16:rowId xmlns:a16="http://schemas.microsoft.com/office/drawing/2014/main" val="10007"/>
                   </a:ext>
                 </a:extLst>
               </a:tr>
@@ -23299,7 +23411,7 @@
                 </a:tc>
                 <a:extLst>
                   <a:ext uri="{0D108BD9-81ED-4DB2-BD59-A6C34878D82A}">
-                    <a16:rowId xmlns="" xmlns:a16="http://schemas.microsoft.com/office/drawing/2014/main" val="10008"/>
+                    <a16:rowId xmlns:a16="http://schemas.microsoft.com/office/drawing/2014/main" val="10008"/>
                   </a:ext>
                 </a:extLst>
               </a:tr>
@@ -23449,7 +23561,7 @@
                 </a:tc>
                 <a:extLst>
                   <a:ext uri="{0D108BD9-81ED-4DB2-BD59-A6C34878D82A}">
-                    <a16:rowId xmlns="" xmlns:a16="http://schemas.microsoft.com/office/drawing/2014/main" val="10009"/>
+                    <a16:rowId xmlns:a16="http://schemas.microsoft.com/office/drawing/2014/main" val="10009"/>
                   </a:ext>
                 </a:extLst>
               </a:tr>
@@ -23599,7 +23711,7 @@
                 </a:tc>
                 <a:extLst>
                   <a:ext uri="{0D108BD9-81ED-4DB2-BD59-A6C34878D82A}">
-                    <a16:rowId xmlns="" xmlns:a16="http://schemas.microsoft.com/office/drawing/2014/main" val="10010"/>
+                    <a16:rowId xmlns:a16="http://schemas.microsoft.com/office/drawing/2014/main" val="10010"/>
                   </a:ext>
                 </a:extLst>
               </a:tr>
@@ -23749,7 +23861,7 @@
                 </a:tc>
                 <a:extLst>
                   <a:ext uri="{0D108BD9-81ED-4DB2-BD59-A6C34878D82A}">
-                    <a16:rowId xmlns="" xmlns:a16="http://schemas.microsoft.com/office/drawing/2014/main" val="10011"/>
+                    <a16:rowId xmlns:a16="http://schemas.microsoft.com/office/drawing/2014/main" val="10011"/>
                   </a:ext>
                 </a:extLst>
               </a:tr>
@@ -23899,7 +24011,7 @@
                 </a:tc>
                 <a:extLst>
                   <a:ext uri="{0D108BD9-81ED-4DB2-BD59-A6C34878D82A}">
-                    <a16:rowId xmlns="" xmlns:a16="http://schemas.microsoft.com/office/drawing/2014/main" val="10012"/>
+                    <a16:rowId xmlns:a16="http://schemas.microsoft.com/office/drawing/2014/main" val="10012"/>
                   </a:ext>
                 </a:extLst>
               </a:tr>
@@ -24049,7 +24161,7 @@
                 </a:tc>
                 <a:extLst>
                   <a:ext uri="{0D108BD9-81ED-4DB2-BD59-A6C34878D82A}">
-                    <a16:rowId xmlns="" xmlns:a16="http://schemas.microsoft.com/office/drawing/2014/main" val="2113752027"/>
+                    <a16:rowId xmlns:a16="http://schemas.microsoft.com/office/drawing/2014/main" val="2113752027"/>
                   </a:ext>
                 </a:extLst>
               </a:tr>
@@ -24199,7 +24311,7 @@
                 </a:tc>
                 <a:extLst>
                   <a:ext uri="{0D108BD9-81ED-4DB2-BD59-A6C34878D82A}">
-                    <a16:rowId xmlns="" xmlns:a16="http://schemas.microsoft.com/office/drawing/2014/main" val="2375804821"/>
+                    <a16:rowId xmlns:a16="http://schemas.microsoft.com/office/drawing/2014/main" val="2375804821"/>
                   </a:ext>
                 </a:extLst>
               </a:tr>
@@ -24535,14 +24647,14 @@
                 <a:gridCol w="329695">
                   <a:extLst>
                     <a:ext uri="{9D8B030D-6E8A-4147-A177-3AD203B41FA5}">
-                      <a16:colId xmlns="" xmlns:a16="http://schemas.microsoft.com/office/drawing/2014/main" val="20000"/>
+                      <a16:colId xmlns:a16="http://schemas.microsoft.com/office/drawing/2014/main" val="20000"/>
                     </a:ext>
                   </a:extLst>
                 </a:gridCol>
                 <a:gridCol w="1976228">
                   <a:extLst>
                     <a:ext uri="{9D8B030D-6E8A-4147-A177-3AD203B41FA5}">
-                      <a16:colId xmlns="" xmlns:a16="http://schemas.microsoft.com/office/drawing/2014/main" val="20001"/>
+                      <a16:colId xmlns:a16="http://schemas.microsoft.com/office/drawing/2014/main" val="20001"/>
                     </a:ext>
                   </a:extLst>
                 </a:gridCol>
@@ -24811,7 +24923,7 @@
                 </a:tc>
                 <a:extLst>
                   <a:ext uri="{0D108BD9-81ED-4DB2-BD59-A6C34878D82A}">
-                    <a16:rowId xmlns="" xmlns:a16="http://schemas.microsoft.com/office/drawing/2014/main" val="10000"/>
+                    <a16:rowId xmlns:a16="http://schemas.microsoft.com/office/drawing/2014/main" val="10000"/>
                   </a:ext>
                 </a:extLst>
               </a:tr>
@@ -25029,7 +25141,7 @@
                 </a:tc>
                 <a:extLst>
                   <a:ext uri="{0D108BD9-81ED-4DB2-BD59-A6C34878D82A}">
-                    <a16:rowId xmlns="" xmlns:a16="http://schemas.microsoft.com/office/drawing/2014/main" val="10001"/>
+                    <a16:rowId xmlns:a16="http://schemas.microsoft.com/office/drawing/2014/main" val="10001"/>
                   </a:ext>
                 </a:extLst>
               </a:tr>
@@ -25291,7 +25403,7 @@
                 </a:tc>
                 <a:extLst>
                   <a:ext uri="{0D108BD9-81ED-4DB2-BD59-A6C34878D82A}">
-                    <a16:rowId xmlns="" xmlns:a16="http://schemas.microsoft.com/office/drawing/2014/main" val="4155826467"/>
+                    <a16:rowId xmlns:a16="http://schemas.microsoft.com/office/drawing/2014/main" val="4155826467"/>
                   </a:ext>
                 </a:extLst>
               </a:tr>
@@ -25478,7 +25590,7 @@
                 </a:tc>
                 <a:extLst>
                   <a:ext uri="{0D108BD9-81ED-4DB2-BD59-A6C34878D82A}">
-                    <a16:rowId xmlns="" xmlns:a16="http://schemas.microsoft.com/office/drawing/2014/main" val="10002"/>
+                    <a16:rowId xmlns:a16="http://schemas.microsoft.com/office/drawing/2014/main" val="10002"/>
                   </a:ext>
                 </a:extLst>
               </a:tr>
@@ -25745,7 +25857,7 @@
                 </a:tc>
                 <a:extLst>
                   <a:ext uri="{0D108BD9-81ED-4DB2-BD59-A6C34878D82A}">
-                    <a16:rowId xmlns="" xmlns:a16="http://schemas.microsoft.com/office/drawing/2014/main" val="10003"/>
+                    <a16:rowId xmlns:a16="http://schemas.microsoft.com/office/drawing/2014/main" val="10003"/>
                   </a:ext>
                 </a:extLst>
               </a:tr>
@@ -25973,7 +26085,7 @@
                 </a:tc>
                 <a:extLst>
                   <a:ext uri="{0D108BD9-81ED-4DB2-BD59-A6C34878D82A}">
-                    <a16:rowId xmlns="" xmlns:a16="http://schemas.microsoft.com/office/drawing/2014/main" val="10004"/>
+                    <a16:rowId xmlns:a16="http://schemas.microsoft.com/office/drawing/2014/main" val="10004"/>
                   </a:ext>
                 </a:extLst>
               </a:tr>
@@ -26201,7 +26313,7 @@
                 </a:tc>
                 <a:extLst>
                   <a:ext uri="{0D108BD9-81ED-4DB2-BD59-A6C34878D82A}">
-                    <a16:rowId xmlns="" xmlns:a16="http://schemas.microsoft.com/office/drawing/2014/main" val="10005"/>
+                    <a16:rowId xmlns:a16="http://schemas.microsoft.com/office/drawing/2014/main" val="10005"/>
                   </a:ext>
                 </a:extLst>
               </a:tr>
@@ -26380,7 +26492,7 @@
                 </a:tc>
                 <a:extLst>
                   <a:ext uri="{0D108BD9-81ED-4DB2-BD59-A6C34878D82A}">
-                    <a16:rowId xmlns="" xmlns:a16="http://schemas.microsoft.com/office/drawing/2014/main" val="10006"/>
+                    <a16:rowId xmlns:a16="http://schemas.microsoft.com/office/drawing/2014/main" val="10006"/>
                   </a:ext>
                 </a:extLst>
               </a:tr>
@@ -26529,7 +26641,7 @@
                 </a:tc>
                 <a:extLst>
                   <a:ext uri="{0D108BD9-81ED-4DB2-BD59-A6C34878D82A}">
-                    <a16:rowId xmlns="" xmlns:a16="http://schemas.microsoft.com/office/drawing/2014/main" val="10007"/>
+                    <a16:rowId xmlns:a16="http://schemas.microsoft.com/office/drawing/2014/main" val="10007"/>
                   </a:ext>
                 </a:extLst>
               </a:tr>
@@ -26678,7 +26790,7 @@
                 </a:tc>
                 <a:extLst>
                   <a:ext uri="{0D108BD9-81ED-4DB2-BD59-A6C34878D82A}">
-                    <a16:rowId xmlns="" xmlns:a16="http://schemas.microsoft.com/office/drawing/2014/main" val="10008"/>
+                    <a16:rowId xmlns:a16="http://schemas.microsoft.com/office/drawing/2014/main" val="10008"/>
                   </a:ext>
                 </a:extLst>
               </a:tr>
@@ -26827,7 +26939,7 @@
                 </a:tc>
                 <a:extLst>
                   <a:ext uri="{0D108BD9-81ED-4DB2-BD59-A6C34878D82A}">
-                    <a16:rowId xmlns="" xmlns:a16="http://schemas.microsoft.com/office/drawing/2014/main" val="10009"/>
+                    <a16:rowId xmlns:a16="http://schemas.microsoft.com/office/drawing/2014/main" val="10009"/>
                   </a:ext>
                 </a:extLst>
               </a:tr>
@@ -26993,7 +27105,7 @@
                 </a:tc>
                 <a:extLst>
                   <a:ext uri="{0D108BD9-81ED-4DB2-BD59-A6C34878D82A}">
-                    <a16:rowId xmlns="" xmlns:a16="http://schemas.microsoft.com/office/drawing/2014/main" val="10010"/>
+                    <a16:rowId xmlns:a16="http://schemas.microsoft.com/office/drawing/2014/main" val="10010"/>
                   </a:ext>
                 </a:extLst>
               </a:tr>
@@ -27142,7 +27254,7 @@
                 </a:tc>
                 <a:extLst>
                   <a:ext uri="{0D108BD9-81ED-4DB2-BD59-A6C34878D82A}">
-                    <a16:rowId xmlns="" xmlns:a16="http://schemas.microsoft.com/office/drawing/2014/main" val="10011"/>
+                    <a16:rowId xmlns:a16="http://schemas.microsoft.com/office/drawing/2014/main" val="10011"/>
                   </a:ext>
                 </a:extLst>
               </a:tr>
@@ -27292,7 +27404,7 @@
                 </a:tc>
                 <a:extLst>
                   <a:ext uri="{0D108BD9-81ED-4DB2-BD59-A6C34878D82A}">
-                    <a16:rowId xmlns="" xmlns:a16="http://schemas.microsoft.com/office/drawing/2014/main" val="10012"/>
+                    <a16:rowId xmlns:a16="http://schemas.microsoft.com/office/drawing/2014/main" val="10012"/>
                   </a:ext>
                 </a:extLst>
               </a:tr>
@@ -27442,7 +27554,7 @@
                 </a:tc>
                 <a:extLst>
                   <a:ext uri="{0D108BD9-81ED-4DB2-BD59-A6C34878D82A}">
-                    <a16:rowId xmlns="" xmlns:a16="http://schemas.microsoft.com/office/drawing/2014/main" val="2113752027"/>
+                    <a16:rowId xmlns:a16="http://schemas.microsoft.com/office/drawing/2014/main" val="2113752027"/>
                   </a:ext>
                 </a:extLst>
               </a:tr>
@@ -27592,7 +27704,7 @@
                 </a:tc>
                 <a:extLst>
                   <a:ext uri="{0D108BD9-81ED-4DB2-BD59-A6C34878D82A}">
-                    <a16:rowId xmlns="" xmlns:a16="http://schemas.microsoft.com/office/drawing/2014/main" val="2375804821"/>
+                    <a16:rowId xmlns:a16="http://schemas.microsoft.com/office/drawing/2014/main" val="2375804821"/>
                   </a:ext>
                 </a:extLst>
               </a:tr>
@@ -27965,7 +28077,7 @@
           <p:cNvPr id="17" name="Group 6">
             <a:extLst>
               <a:ext uri="{FF2B5EF4-FFF2-40B4-BE49-F238E27FC236}">
-                <a16:creationId xmlns="" xmlns:a16="http://schemas.microsoft.com/office/drawing/2014/main" id="{450E639A-558D-4186-95FD-D0202D00EF7F}"/>
+                <a16:creationId xmlns:a16="http://schemas.microsoft.com/office/drawing/2014/main" id="{450E639A-558D-4186-95FD-D0202D00EF7F}"/>
               </a:ext>
             </a:extLst>
           </p:cNvPr>
@@ -27992,15 +28104,21 @@
                 <a:gridCol w="288454">
                   <a:extLst>
                     <a:ext uri="{9D8B030D-6E8A-4147-A177-3AD203B41FA5}">
-                      <a16:colId xmlns="" xmlns:a16="http://schemas.microsoft.com/office/drawing/2014/main" val="20000"/>
+                      <a16:colId xmlns:a16="http://schemas.microsoft.com/office/drawing/2014/main" val="20000"/>
                     </a:ext>
                   </a:extLst>
                 </a:gridCol>
-                <a:gridCol w="288454"/>
+                <a:gridCol w="288454">
+                  <a:extLst>
+                    <a:ext uri="{9D8B030D-6E8A-4147-A177-3AD203B41FA5}">
+                      <a16:colId xmlns:a16="http://schemas.microsoft.com/office/drawing/2014/main" val="20002"/>
+                    </a:ext>
+                  </a:extLst>
+                </a:gridCol>
                 <a:gridCol w="1729017">
                   <a:extLst>
                     <a:ext uri="{9D8B030D-6E8A-4147-A177-3AD203B41FA5}">
-                      <a16:colId xmlns="" xmlns:a16="http://schemas.microsoft.com/office/drawing/2014/main" val="20001"/>
+                      <a16:colId xmlns:a16="http://schemas.microsoft.com/office/drawing/2014/main" val="20001"/>
                     </a:ext>
                   </a:extLst>
                 </a:gridCol>
@@ -28354,7 +28472,7 @@
                 </a:tc>
                 <a:extLst>
                   <a:ext uri="{0D108BD9-81ED-4DB2-BD59-A6C34878D82A}">
-                    <a16:rowId xmlns="" xmlns:a16="http://schemas.microsoft.com/office/drawing/2014/main" val="10000"/>
+                    <a16:rowId xmlns:a16="http://schemas.microsoft.com/office/drawing/2014/main" val="10000"/>
                   </a:ext>
                 </a:extLst>
               </a:tr>
@@ -28583,7 +28701,7 @@
                 </a:tc>
                 <a:extLst>
                   <a:ext uri="{0D108BD9-81ED-4DB2-BD59-A6C34878D82A}">
-                    <a16:rowId xmlns="" xmlns:a16="http://schemas.microsoft.com/office/drawing/2014/main" val="10001"/>
+                    <a16:rowId xmlns:a16="http://schemas.microsoft.com/office/drawing/2014/main" val="10001"/>
                   </a:ext>
                 </a:extLst>
               </a:tr>
@@ -28922,7 +29040,7 @@
                 </a:tc>
                 <a:extLst>
                   <a:ext uri="{0D108BD9-81ED-4DB2-BD59-A6C34878D82A}">
-                    <a16:rowId xmlns="" xmlns:a16="http://schemas.microsoft.com/office/drawing/2014/main" val="4155826467"/>
+                    <a16:rowId xmlns:a16="http://schemas.microsoft.com/office/drawing/2014/main" val="4155826467"/>
                   </a:ext>
                 </a:extLst>
               </a:tr>
@@ -29259,7 +29377,7 @@
                 </a:tc>
                 <a:extLst>
                   <a:ext uri="{0D108BD9-81ED-4DB2-BD59-A6C34878D82A}">
-                    <a16:rowId xmlns="" xmlns:a16="http://schemas.microsoft.com/office/drawing/2014/main" val="10002"/>
+                    <a16:rowId xmlns:a16="http://schemas.microsoft.com/office/drawing/2014/main" val="10002"/>
                   </a:ext>
                 </a:extLst>
               </a:tr>
@@ -29570,7 +29688,7 @@
                 </a:tc>
                 <a:extLst>
                   <a:ext uri="{0D108BD9-81ED-4DB2-BD59-A6C34878D82A}">
-                    <a16:rowId xmlns="" xmlns:a16="http://schemas.microsoft.com/office/drawing/2014/main" val="10003"/>
+                    <a16:rowId xmlns:a16="http://schemas.microsoft.com/office/drawing/2014/main" val="10003"/>
                   </a:ext>
                 </a:extLst>
               </a:tr>
@@ -29915,7 +30033,7 @@
                 </a:tc>
                 <a:extLst>
                   <a:ext uri="{0D108BD9-81ED-4DB2-BD59-A6C34878D82A}">
-                    <a16:rowId xmlns="" xmlns:a16="http://schemas.microsoft.com/office/drawing/2014/main" val="10004"/>
+                    <a16:rowId xmlns:a16="http://schemas.microsoft.com/office/drawing/2014/main" val="10004"/>
                   </a:ext>
                 </a:extLst>
               </a:tr>
@@ -30154,7 +30272,7 @@
                 </a:tc>
                 <a:extLst>
                   <a:ext uri="{0D108BD9-81ED-4DB2-BD59-A6C34878D82A}">
-                    <a16:rowId xmlns="" xmlns:a16="http://schemas.microsoft.com/office/drawing/2014/main" val="10005"/>
+                    <a16:rowId xmlns:a16="http://schemas.microsoft.com/office/drawing/2014/main" val="10005"/>
                   </a:ext>
                 </a:extLst>
               </a:tr>
@@ -30361,7 +30479,7 @@
                 </a:tc>
                 <a:extLst>
                   <a:ext uri="{0D108BD9-81ED-4DB2-BD59-A6C34878D82A}">
-                    <a16:rowId xmlns="" xmlns:a16="http://schemas.microsoft.com/office/drawing/2014/main" val="10006"/>
+                    <a16:rowId xmlns:a16="http://schemas.microsoft.com/office/drawing/2014/main" val="10006"/>
                   </a:ext>
                 </a:extLst>
               </a:tr>
@@ -30568,7 +30686,7 @@
                 </a:tc>
                 <a:extLst>
                   <a:ext uri="{0D108BD9-81ED-4DB2-BD59-A6C34878D82A}">
-                    <a16:rowId xmlns="" xmlns:a16="http://schemas.microsoft.com/office/drawing/2014/main" val="10007"/>
+                    <a16:rowId xmlns:a16="http://schemas.microsoft.com/office/drawing/2014/main" val="10007"/>
                   </a:ext>
                 </a:extLst>
               </a:tr>
@@ -30775,7 +30893,7 @@
                 </a:tc>
                 <a:extLst>
                   <a:ext uri="{0D108BD9-81ED-4DB2-BD59-A6C34878D82A}">
-                    <a16:rowId xmlns="" xmlns:a16="http://schemas.microsoft.com/office/drawing/2014/main" val="10008"/>
+                    <a16:rowId xmlns:a16="http://schemas.microsoft.com/office/drawing/2014/main" val="10008"/>
                   </a:ext>
                 </a:extLst>
               </a:tr>
@@ -30982,7 +31100,7 @@
                 </a:tc>
                 <a:extLst>
                   <a:ext uri="{0D108BD9-81ED-4DB2-BD59-A6C34878D82A}">
-                    <a16:rowId xmlns="" xmlns:a16="http://schemas.microsoft.com/office/drawing/2014/main" val="10009"/>
+                    <a16:rowId xmlns:a16="http://schemas.microsoft.com/office/drawing/2014/main" val="10009"/>
                   </a:ext>
                 </a:extLst>
               </a:tr>
@@ -31189,7 +31307,7 @@
                 </a:tc>
                 <a:extLst>
                   <a:ext uri="{0D108BD9-81ED-4DB2-BD59-A6C34878D82A}">
-                    <a16:rowId xmlns="" xmlns:a16="http://schemas.microsoft.com/office/drawing/2014/main" val="10010"/>
+                    <a16:rowId xmlns:a16="http://schemas.microsoft.com/office/drawing/2014/main" val="10010"/>
                   </a:ext>
                 </a:extLst>
               </a:tr>
@@ -31396,7 +31514,7 @@
                 </a:tc>
                 <a:extLst>
                   <a:ext uri="{0D108BD9-81ED-4DB2-BD59-A6C34878D82A}">
-                    <a16:rowId xmlns="" xmlns:a16="http://schemas.microsoft.com/office/drawing/2014/main" val="1920580223"/>
+                    <a16:rowId xmlns:a16="http://schemas.microsoft.com/office/drawing/2014/main" val="1920580223"/>
                   </a:ext>
                 </a:extLst>
               </a:tr>
@@ -31603,7 +31721,7 @@
                 </a:tc>
                 <a:extLst>
                   <a:ext uri="{0D108BD9-81ED-4DB2-BD59-A6C34878D82A}">
-                    <a16:rowId xmlns="" xmlns:a16="http://schemas.microsoft.com/office/drawing/2014/main" val="10011"/>
+                    <a16:rowId xmlns:a16="http://schemas.microsoft.com/office/drawing/2014/main" val="10011"/>
                   </a:ext>
                 </a:extLst>
               </a:tr>
